--- a/documentation/presentation/Prenosenje_stila_glazbe_koristenjem_difuzijskih_modela.pptx
+++ b/documentation/presentation/Prenosenje_stila_glazbe_koristenjem_difuzijskih_modela.pptx
@@ -795,6 +795,30 @@
     </pc:docChg>
   </pc:docChgLst>
   <pc:docChgLst>
+    <pc:chgData name="Dominik Jambrovic" userId="d5e0a75ae2920be5" providerId="LiveId" clId="{74DB3F36-A18E-4AED-82AC-12521020360C}"/>
+    <pc:docChg chg="undo redo custSel modSld">
+      <pc:chgData name="Dominik Jambrovic" userId="d5e0a75ae2920be5" providerId="LiveId" clId="{74DB3F36-A18E-4AED-82AC-12521020360C}" dt="2025-01-18T20:42:26.602" v="15" actId="1076"/>
+      <pc:docMkLst>
+        <pc:docMk/>
+      </pc:docMkLst>
+      <pc:sldChg chg="modSp mod">
+        <pc:chgData name="Dominik Jambrovic" userId="d5e0a75ae2920be5" providerId="LiveId" clId="{74DB3F36-A18E-4AED-82AC-12521020360C}" dt="2025-01-18T20:42:26.602" v="15" actId="1076"/>
+        <pc:sldMkLst>
+          <pc:docMk/>
+          <pc:sldMk cId="664756216" sldId="262"/>
+        </pc:sldMkLst>
+        <pc:picChg chg="mod">
+          <ac:chgData name="Dominik Jambrovic" userId="d5e0a75ae2920be5" providerId="LiveId" clId="{74DB3F36-A18E-4AED-82AC-12521020360C}" dt="2025-01-18T20:42:26.602" v="15" actId="1076"/>
+          <ac:picMkLst>
+            <pc:docMk/>
+            <pc:sldMk cId="664756216" sldId="262"/>
+            <ac:picMk id="7" creationId="{3C57308A-EB26-4945-40D4-38DE8937C987}"/>
+          </ac:picMkLst>
+        </pc:picChg>
+      </pc:sldChg>
+    </pc:docChg>
+  </pc:docChgLst>
+  <pc:docChgLst>
     <pc:chgData name="Dominik Jambrovic" userId="d5e0a75ae2920be5" providerId="LiveId" clId="{6F7DA234-F3D2-4FD4-812D-A169CD6D1CF1}"/>
     <pc:docChg chg="modSld">
       <pc:chgData name="Dominik Jambrovic" userId="d5e0a75ae2920be5" providerId="LiveId" clId="{6F7DA234-F3D2-4FD4-812D-A169CD6D1CF1}" dt="2024-06-02T16:56:14.649" v="5" actId="20577"/>
@@ -7403,8 +7427,8 @@
         </p:blipFill>
         <p:spPr>
           <a:xfrm>
-            <a:off x="8557954" y="1737360"/>
-            <a:ext cx="2899756" cy="4546943"/>
+            <a:off x="8797855" y="351590"/>
+            <a:ext cx="3026999" cy="5677974"/>
           </a:xfrm>
           <a:prstGeom prst="rect">
             <a:avLst/>
